--- a/Datenbankmanagement_Anomalien.pptx
+++ b/Datenbankmanagement_Anomalien.pptx
@@ -5,16 +5,17 @@
     <p:sldMasterId id="2147483648" r:id="rId1"/>
   </p:sldMasterIdLst>
   <p:notesMasterIdLst>
-    <p:notesMasterId r:id="rId6"/>
+    <p:notesMasterId r:id="rId7"/>
   </p:notesMasterIdLst>
   <p:handoutMasterIdLst>
-    <p:handoutMasterId r:id="rId7"/>
+    <p:handoutMasterId r:id="rId8"/>
   </p:handoutMasterIdLst>
   <p:sldIdLst>
     <p:sldId id="256" r:id="rId2"/>
     <p:sldId id="257" r:id="rId3"/>
     <p:sldId id="262" r:id="rId4"/>
-    <p:sldId id="261" r:id="rId5"/>
+    <p:sldId id="263" r:id="rId5"/>
+    <p:sldId id="261" r:id="rId6"/>
   </p:sldIdLst>
   <p:sldSz cx="9144000" cy="6858000" type="screen4x3"/>
   <p:notesSz cx="6858000" cy="9144000"/>
@@ -229,7 +230,7 @@
           <a:p>
             <a:fld id="{92F47466-C257-5E4D-B900-FDF6B78F5F15}" type="datetimeFigureOut">
               <a:rPr lang="de-DE" smtClean="0"/>
-              <a:t>08.12.18</a:t>
+              <a:t>13.12.18</a:t>
             </a:fld>
             <a:endParaRPr lang="de-DE"/>
           </a:p>
@@ -395,7 +396,7 @@
           <a:p>
             <a:fld id="{7A19BEE0-598C-4858-A439-753E34679212}" type="datetimeFigureOut">
               <a:rPr lang="de-AT" smtClean="0"/>
-              <a:t>08.12.18</a:t>
+              <a:t>13.12.18</a:t>
             </a:fld>
             <a:endParaRPr lang="de-AT"/>
           </a:p>
@@ -3890,7 +3891,7 @@
       </p:grpSpPr>
       <p:sp>
         <p:nvSpPr>
-          <p:cNvPr id="5" name="Datumsplatzhalter 4"/>
+          <p:cNvPr id="2" name="Datumsplatzhalter 1"/>
           <p:cNvSpPr>
             <a:spLocks noGrp="1"/>
           </p:cNvSpPr>
@@ -3905,7 +3906,7 @@
           <a:p>
             <a:r>
               <a:rPr lang="de-DE" dirty="0" smtClean="0"/>
-              <a:t>13.12.2018</a:t>
+              <a:t>13.12.2018	</a:t>
             </a:r>
             <a:endParaRPr lang="de-DE" dirty="0"/>
           </a:p>
@@ -3913,7 +3914,37 @@
       </p:sp>
       <p:sp>
         <p:nvSpPr>
-          <p:cNvPr id="7" name="Foliennummernplatzhalter 6"/>
+          <p:cNvPr id="4" name="Fußzeilenplatzhalter 3"/>
+          <p:cNvSpPr>
+            <a:spLocks noGrp="1"/>
+          </p:cNvSpPr>
+          <p:nvPr>
+            <p:ph type="ftr" sz="quarter" idx="11"/>
+          </p:nvPr>
+        </p:nvSpPr>
+        <p:spPr/>
+        <p:txBody>
+          <a:bodyPr/>
+          <a:lstStyle/>
+          <a:p>
+            <a:r>
+              <a:rPr lang="de-DE" dirty="0" smtClean="0"/>
+              <a:t>Datenbankmanagement </a:t>
+            </a:r>
+            <a:r>
+              <a:rPr lang="mr-IN" dirty="0" smtClean="0"/>
+              <a:t>–</a:t>
+            </a:r>
+            <a:r>
+              <a:rPr lang="de-DE" dirty="0" smtClean="0"/>
+              <a:t> Teil 2</a:t>
+            </a:r>
+          </a:p>
+        </p:txBody>
+      </p:sp>
+      <p:sp>
+        <p:nvSpPr>
+          <p:cNvPr id="5" name="Foliennummernplatzhalter 4"/>
           <p:cNvSpPr>
             <a:spLocks noGrp="1"/>
           </p:cNvSpPr>
@@ -3930,6 +3961,150 @@
               <a:rPr lang="de-DE" smtClean="0"/>
               <a:pPr/>
               <a:t>4</a:t>
+            </a:fld>
+            <a:endParaRPr lang="de-DE"/>
+          </a:p>
+        </p:txBody>
+      </p:sp>
+      <p:sp>
+        <p:nvSpPr>
+          <p:cNvPr id="11" name="Titel 9"/>
+          <p:cNvSpPr>
+            <a:spLocks noGrp="1"/>
+          </p:cNvSpPr>
+          <p:nvPr>
+            <p:ph type="title"/>
+          </p:nvPr>
+        </p:nvSpPr>
+        <p:spPr>
+          <a:xfrm>
+            <a:off x="585935" y="1149084"/>
+            <a:ext cx="8035924" cy="648586"/>
+          </a:xfrm>
+        </p:spPr>
+        <p:txBody>
+          <a:bodyPr>
+            <a:noAutofit/>
+          </a:bodyPr>
+          <a:lstStyle/>
+          <a:p>
+            <a:r>
+              <a:rPr lang="de-AT" sz="4400" dirty="0" smtClean="0"/>
+              <a:t>Ablauf</a:t>
+            </a:r>
+            <a:endParaRPr lang="de-AT" sz="4400" dirty="0"/>
+          </a:p>
+        </p:txBody>
+      </p:sp>
+      <p:pic>
+        <p:nvPicPr>
+          <p:cNvPr id="3" name="Bild 2"/>
+          <p:cNvPicPr>
+            <a:picLocks noChangeAspect="1"/>
+          </p:cNvPicPr>
+          <p:nvPr/>
+        </p:nvPicPr>
+        <p:blipFill>
+          <a:blip r:embed="rId2">
+            <a:extLst>
+              <a:ext uri="{28A0092B-C50C-407E-A947-70E740481C1C}">
+                <a14:useLocalDpi xmlns:a14="http://schemas.microsoft.com/office/drawing/2010/main" val="0"/>
+              </a:ext>
+            </a:extLst>
+          </a:blip>
+          <a:stretch>
+            <a:fillRect/>
+          </a:stretch>
+        </p:blipFill>
+        <p:spPr>
+          <a:xfrm>
+            <a:off x="1057275" y="1974766"/>
+            <a:ext cx="6545566" cy="4151665"/>
+          </a:xfrm>
+          <a:prstGeom prst="rect">
+            <a:avLst/>
+          </a:prstGeom>
+        </p:spPr>
+      </p:pic>
+    </p:spTree>
+    <p:extLst>
+      <p:ext uri="{BB962C8B-B14F-4D97-AF65-F5344CB8AC3E}">
+        <p14:creationId xmlns:p14="http://schemas.microsoft.com/office/powerpoint/2010/main" val="1334578499"/>
+      </p:ext>
+    </p:extLst>
+  </p:cSld>
+  <p:clrMapOvr>
+    <a:masterClrMapping/>
+  </p:clrMapOvr>
+  <p:timing>
+    <p:tnLst>
+      <p:par>
+        <p:cTn id="1" dur="indefinite" restart="never" nodeType="tmRoot"/>
+      </p:par>
+    </p:tnLst>
+  </p:timing>
+</p:sld>
+</file>
+
+<file path=ppt/slides/slide5.xml><?xml version="1.0" encoding="utf-8"?>
+<p:sld xmlns:a="http://schemas.openxmlformats.org/drawingml/2006/main" xmlns:r="http://schemas.openxmlformats.org/officeDocument/2006/relationships" xmlns:p="http://schemas.openxmlformats.org/presentationml/2006/main">
+  <p:cSld>
+    <p:spTree>
+      <p:nvGrpSpPr>
+        <p:cNvPr id="1" name=""/>
+        <p:cNvGrpSpPr/>
+        <p:nvPr/>
+      </p:nvGrpSpPr>
+      <p:grpSpPr>
+        <a:xfrm>
+          <a:off x="0" y="0"/>
+          <a:ext cx="0" cy="0"/>
+          <a:chOff x="0" y="0"/>
+          <a:chExt cx="0" cy="0"/>
+        </a:xfrm>
+      </p:grpSpPr>
+      <p:sp>
+        <p:nvSpPr>
+          <p:cNvPr id="5" name="Datumsplatzhalter 4"/>
+          <p:cNvSpPr>
+            <a:spLocks noGrp="1"/>
+          </p:cNvSpPr>
+          <p:nvPr>
+            <p:ph type="dt" sz="half" idx="10"/>
+          </p:nvPr>
+        </p:nvSpPr>
+        <p:spPr/>
+        <p:txBody>
+          <a:bodyPr/>
+          <a:lstStyle/>
+          <a:p>
+            <a:r>
+              <a:rPr lang="de-DE" dirty="0" smtClean="0"/>
+              <a:t>13.12.2018</a:t>
+            </a:r>
+            <a:endParaRPr lang="de-DE" dirty="0"/>
+          </a:p>
+        </p:txBody>
+      </p:sp>
+      <p:sp>
+        <p:nvSpPr>
+          <p:cNvPr id="7" name="Foliennummernplatzhalter 6"/>
+          <p:cNvSpPr>
+            <a:spLocks noGrp="1"/>
+          </p:cNvSpPr>
+          <p:nvPr>
+            <p:ph type="sldNum" sz="quarter" idx="12"/>
+          </p:nvPr>
+        </p:nvSpPr>
+        <p:spPr/>
+        <p:txBody>
+          <a:bodyPr/>
+          <a:lstStyle/>
+          <a:p>
+            <a:fld id="{E68C68F6-CEB4-C040-B3A3-CADDD499EB7C}" type="slidenum">
+              <a:rPr lang="de-DE" smtClean="0"/>
+              <a:pPr/>
+              <a:t>5</a:t>
             </a:fld>
             <a:endParaRPr lang="de-DE" dirty="0"/>
           </a:p>
